--- a/lectures/09.iterator/iterator.pptx
+++ b/lectures/09.iterator/iterator.pptx
@@ -238,7 +238,7 @@
           <a:p>
             <a:fld id="{2F3DCB6D-0B48-4A3D-B663-06C3F903A9D3}" type="datetimeFigureOut">
               <a:rPr lang="ru-RU" smtClean="0"/>
-              <a:t>23.05.2016</a:t>
+              <a:t>17.06.2018</a:t>
             </a:fld>
             <a:endParaRPr lang="ru-RU"/>
           </a:p>
@@ -1003,7 +1003,7 @@
           <a:p>
             <a:fld id="{2590F9C9-AB92-4E86-B698-DEC9BF4350FF}" type="datetimeFigureOut">
               <a:rPr lang="ru-RU" smtClean="0"/>
-              <a:t>23.05.2016</a:t>
+              <a:t>17.06.2018</a:t>
             </a:fld>
             <a:endParaRPr lang="ru-RU"/>
           </a:p>
@@ -1220,7 +1220,7 @@
           <a:p>
             <a:fld id="{2590F9C9-AB92-4E86-B698-DEC9BF4350FF}" type="datetimeFigureOut">
               <a:rPr lang="ru-RU" smtClean="0"/>
-              <a:t>23.05.2016</a:t>
+              <a:t>17.06.2018</a:t>
             </a:fld>
             <a:endParaRPr lang="ru-RU"/>
           </a:p>
@@ -1492,7 +1492,7 @@
           <a:p>
             <a:fld id="{2590F9C9-AB92-4E86-B698-DEC9BF4350FF}" type="datetimeFigureOut">
               <a:rPr lang="ru-RU" smtClean="0"/>
-              <a:t>23.05.2016</a:t>
+              <a:t>17.06.2018</a:t>
             </a:fld>
             <a:endParaRPr lang="ru-RU"/>
           </a:p>
@@ -1667,7 +1667,7 @@
           <a:p>
             <a:fld id="{2590F9C9-AB92-4E86-B698-DEC9BF4350FF}" type="datetimeFigureOut">
               <a:rPr lang="ru-RU" smtClean="0"/>
-              <a:t>23.05.2016</a:t>
+              <a:t>17.06.2018</a:t>
             </a:fld>
             <a:endParaRPr lang="ru-RU"/>
           </a:p>
@@ -2021,7 +2021,7 @@
           <a:p>
             <a:fld id="{2590F9C9-AB92-4E86-B698-DEC9BF4350FF}" type="datetimeFigureOut">
               <a:rPr lang="ru-RU" smtClean="0"/>
-              <a:t>23.05.2016</a:t>
+              <a:t>17.06.2018</a:t>
             </a:fld>
             <a:endParaRPr lang="ru-RU"/>
           </a:p>
@@ -2306,7 +2306,7 @@
           <a:p>
             <a:fld id="{2590F9C9-AB92-4E86-B698-DEC9BF4350FF}" type="datetimeFigureOut">
               <a:rPr lang="ru-RU" smtClean="0"/>
-              <a:t>23.05.2016</a:t>
+              <a:t>17.06.2018</a:t>
             </a:fld>
             <a:endParaRPr lang="ru-RU"/>
           </a:p>
@@ -2728,7 +2728,7 @@
           <a:p>
             <a:fld id="{2590F9C9-AB92-4E86-B698-DEC9BF4350FF}" type="datetimeFigureOut">
               <a:rPr lang="ru-RU" smtClean="0"/>
-              <a:t>23.05.2016</a:t>
+              <a:t>17.06.2018</a:t>
             </a:fld>
             <a:endParaRPr lang="ru-RU"/>
           </a:p>
@@ -2841,7 +2841,7 @@
           <a:p>
             <a:fld id="{2590F9C9-AB92-4E86-B698-DEC9BF4350FF}" type="datetimeFigureOut">
               <a:rPr lang="ru-RU" smtClean="0"/>
-              <a:t>23.05.2016</a:t>
+              <a:t>17.06.2018</a:t>
             </a:fld>
             <a:endParaRPr lang="ru-RU"/>
           </a:p>
@@ -2931,7 +2931,7 @@
           <a:p>
             <a:fld id="{2590F9C9-AB92-4E86-B698-DEC9BF4350FF}" type="datetimeFigureOut">
               <a:rPr lang="ru-RU" smtClean="0"/>
-              <a:t>23.05.2016</a:t>
+              <a:t>17.06.2018</a:t>
             </a:fld>
             <a:endParaRPr lang="ru-RU"/>
           </a:p>
@@ -3209,7 +3209,7 @@
           <a:p>
             <a:fld id="{2590F9C9-AB92-4E86-B698-DEC9BF4350FF}" type="datetimeFigureOut">
               <a:rPr lang="ru-RU" smtClean="0"/>
-              <a:t>23.05.2016</a:t>
+              <a:t>17.06.2018</a:t>
             </a:fld>
             <a:endParaRPr lang="ru-RU"/>
           </a:p>
@@ -3571,7 +3571,7 @@
           <a:p>
             <a:fld id="{2590F9C9-AB92-4E86-B698-DEC9BF4350FF}" type="datetimeFigureOut">
               <a:rPr lang="ru-RU" smtClean="0"/>
-              <a:t>23.05.2016</a:t>
+              <a:t>17.06.2018</a:t>
             </a:fld>
             <a:endParaRPr lang="ru-RU"/>
           </a:p>
@@ -3996,7 +3996,7 @@
           <a:p>
             <a:fld id="{2590F9C9-AB92-4E86-B698-DEC9BF4350FF}" type="datetimeFigureOut">
               <a:rPr lang="ru-RU" smtClean="0"/>
-              <a:t>23.05.2016</a:t>
+              <a:t>17.06.2018</a:t>
             </a:fld>
             <a:endParaRPr lang="ru-RU"/>
           </a:p>
@@ -18655,20 +18655,24 @@
         <p:spPr/>
         <p:txBody>
           <a:bodyPr>
-            <a:normAutofit fontScale="90000"/>
+            <a:noAutofit/>
           </a:bodyPr>
           <a:lstStyle/>
           <a:p>
             <a:r>
-              <a:rPr lang="ru-RU" dirty="0"/>
-              <a:t>Принцип одной обязанности (</a:t>
-            </a:r>
-            <a:r>
-              <a:rPr lang="en-US" dirty="0"/>
+              <a:rPr lang="ru-RU" sz="3600" dirty="0"/>
+              <a:t>Принцип </a:t>
+            </a:r>
+            <a:r>
+              <a:rPr lang="ru-RU" sz="3600" dirty="0" smtClean="0"/>
+              <a:t>единственной ответственности (</a:t>
+            </a:r>
+            <a:r>
+              <a:rPr lang="en-US" sz="3600" dirty="0"/>
               <a:t>Single Responsibility Principle</a:t>
             </a:r>
             <a:r>
-              <a:rPr lang="ru-RU" dirty="0"/>
+              <a:rPr lang="ru-RU" sz="3600" dirty="0"/>
               <a:t>)</a:t>
             </a:r>
           </a:p>
